--- a/web/e24/uge_4a/Quiz-Uge4-Mandag.pptx
+++ b/web/e24/uge_4a/Quiz-Uge4-Mandag.pptx
@@ -12157,8 +12157,8 @@
         </p:nvSpPr>
         <p:spPr bwMode="auto">
           <a:xfrm>
-            <a:off x="6957705" y="5725491"/>
-            <a:ext cx="1440160" cy="318972"/>
+            <a:off x="5652120" y="5725491"/>
+            <a:ext cx="2745745" cy="318972"/>
           </a:xfrm>
           <a:prstGeom prst="rect">
             <a:avLst/>
@@ -12346,6 +12346,16 @@
               <a:buNone/>
             </a:pPr>
             <a:r>
+              <a:rPr lang="da-DK" altLang="da-DK" sz="1400" dirty="0" err="1" smtClean="0">
+                <a:solidFill>
+                  <a:srgbClr val="A50021"/>
+                </a:solidFill>
+                <a:latin typeface="Arial" pitchFamily="34" charset="0"/>
+                <a:ea typeface="ＭＳ Ｐゴシック" pitchFamily="34" charset="-128"/>
+              </a:rPr>
+              <a:t>Rekursiv</a:t>
+            </a:r>
+            <a:r>
               <a:rPr lang="da-DK" altLang="da-DK" sz="1400" dirty="0" smtClean="0">
                 <a:solidFill>
                   <a:srgbClr val="A50021"/>
@@ -12353,7 +12363,7 @@
                 <a:latin typeface="Arial" pitchFamily="34" charset="0"/>
                 <a:ea typeface="ＭＳ Ｐゴシック" pitchFamily="34" charset="-128"/>
               </a:rPr>
-              <a:t>Cyklisk</a:t>
+              <a:t> datastruktur</a:t>
             </a:r>
             <a:r>
               <a:rPr lang="en-US" altLang="da-DK" sz="1400" dirty="0" smtClean="0">
@@ -12363,7 +12373,17 @@
                 <a:latin typeface="Arial" pitchFamily="34" charset="0"/>
                 <a:ea typeface="ＭＳ Ｐゴシック" pitchFamily="34" charset="-128"/>
               </a:rPr>
-              <a:t>: B</a:t>
+              <a:t>: </a:t>
+            </a:r>
+            <a:r>
+              <a:rPr lang="en-US" altLang="da-DK" sz="1400" dirty="0" smtClean="0">
+                <a:solidFill>
+                  <a:srgbClr val="A50021"/>
+                </a:solidFill>
+                <a:latin typeface="Arial" pitchFamily="34" charset="0"/>
+                <a:ea typeface="ＭＳ Ｐゴシック" pitchFamily="34" charset="-128"/>
+              </a:rPr>
+              <a:t>B</a:t>
             </a:r>
             <a:r>
               <a:rPr lang="en-US" altLang="da-DK" sz="1400" dirty="0" smtClean="0">
@@ -27080,7 +27100,7 @@
                 <a:ea typeface="Courier" pitchFamily="-105" charset="0"/>
                 <a:cs typeface="Courier New" panose="02070309020205020404" pitchFamily="49" charset="0"/>
               </a:rPr>
-              <a:t>java.util</a:t>
+              <a:t>java</a:t>
             </a:r>
             <a:r>
               <a:rPr lang="da-DK" sz="1600" b="1" spc="-100" dirty="0" smtClean="0">
@@ -27091,7 +27111,7 @@
                 <a:ea typeface="Courier" pitchFamily="-105" charset="0"/>
                 <a:cs typeface="Courier New" panose="02070309020205020404" pitchFamily="49" charset="0"/>
               </a:rPr>
-              <a:t>;</a:t>
+              <a:t>.*;</a:t>
             </a:r>
             <a:endParaRPr lang="da-DK" sz="1600" b="1" spc="-100" dirty="0">
               <a:solidFill>
@@ -30739,13 +30759,13 @@
         </p:nvPicPr>
         <p:blipFill rotWithShape="1">
           <a:blip r:embed="rId4"/>
-          <a:srcRect t="14346"/>
+          <a:srcRect t="14347" r="13366" b="1605"/>
           <a:stretch/>
         </p:blipFill>
         <p:spPr>
           <a:xfrm>
-            <a:off x="2324171" y="4609019"/>
-            <a:ext cx="2403639" cy="252529"/>
+            <a:off x="2102782" y="4621365"/>
+            <a:ext cx="2109177" cy="247795"/>
           </a:xfrm>
           <a:prstGeom prst="rect">
             <a:avLst/>
